--- a/apresentação/Pitch_Bootcamp.pptx
+++ b/apresentação/Pitch_Bootcamp.pptx
@@ -270,7 +270,7 @@
           <a:p>
             <a:fld id="{2EA82B81-3804-094E-8018-A8D80D3BEC96}" type="datetimeFigureOut">
               <a:rPr lang="en-US" smtClean="0"/>
-              <a:t>3/25/23</a:t>
+              <a:t>3/25/2023</a:t>
             </a:fld>
             <a:endParaRPr lang="en-US"/>
           </a:p>
@@ -470,7 +470,7 @@
           <a:p>
             <a:fld id="{2EA82B81-3804-094E-8018-A8D80D3BEC96}" type="datetimeFigureOut">
               <a:rPr lang="en-US" smtClean="0"/>
-              <a:t>3/25/23</a:t>
+              <a:t>3/25/2023</a:t>
             </a:fld>
             <a:endParaRPr lang="en-US"/>
           </a:p>
@@ -680,7 +680,7 @@
           <a:p>
             <a:fld id="{2EA82B81-3804-094E-8018-A8D80D3BEC96}" type="datetimeFigureOut">
               <a:rPr lang="en-US" smtClean="0"/>
-              <a:t>3/25/23</a:t>
+              <a:t>3/25/2023</a:t>
             </a:fld>
             <a:endParaRPr lang="en-US"/>
           </a:p>
@@ -880,7 +880,7 @@
           <a:p>
             <a:fld id="{2EA82B81-3804-094E-8018-A8D80D3BEC96}" type="datetimeFigureOut">
               <a:rPr lang="en-US" smtClean="0"/>
-              <a:t>3/25/23</a:t>
+              <a:t>3/25/2023</a:t>
             </a:fld>
             <a:endParaRPr lang="en-US"/>
           </a:p>
@@ -1156,7 +1156,7 @@
           <a:p>
             <a:fld id="{2EA82B81-3804-094E-8018-A8D80D3BEC96}" type="datetimeFigureOut">
               <a:rPr lang="en-US" smtClean="0"/>
-              <a:t>3/25/23</a:t>
+              <a:t>3/25/2023</a:t>
             </a:fld>
             <a:endParaRPr lang="en-US"/>
           </a:p>
@@ -1424,7 +1424,7 @@
           <a:p>
             <a:fld id="{2EA82B81-3804-094E-8018-A8D80D3BEC96}" type="datetimeFigureOut">
               <a:rPr lang="en-US" smtClean="0"/>
-              <a:t>3/25/23</a:t>
+              <a:t>3/25/2023</a:t>
             </a:fld>
             <a:endParaRPr lang="en-US"/>
           </a:p>
@@ -1839,7 +1839,7 @@
           <a:p>
             <a:fld id="{2EA82B81-3804-094E-8018-A8D80D3BEC96}" type="datetimeFigureOut">
               <a:rPr lang="en-US" smtClean="0"/>
-              <a:t>3/25/23</a:t>
+              <a:t>3/25/2023</a:t>
             </a:fld>
             <a:endParaRPr lang="en-US"/>
           </a:p>
@@ -1981,7 +1981,7 @@
           <a:p>
             <a:fld id="{2EA82B81-3804-094E-8018-A8D80D3BEC96}" type="datetimeFigureOut">
               <a:rPr lang="en-US" smtClean="0"/>
-              <a:t>3/25/23</a:t>
+              <a:t>3/25/2023</a:t>
             </a:fld>
             <a:endParaRPr lang="en-US"/>
           </a:p>
@@ -2094,7 +2094,7 @@
           <a:p>
             <a:fld id="{2EA82B81-3804-094E-8018-A8D80D3BEC96}" type="datetimeFigureOut">
               <a:rPr lang="en-US" smtClean="0"/>
-              <a:t>3/25/23</a:t>
+              <a:t>3/25/2023</a:t>
             </a:fld>
             <a:endParaRPr lang="en-US"/>
           </a:p>
@@ -2407,7 +2407,7 @@
           <a:p>
             <a:fld id="{2EA82B81-3804-094E-8018-A8D80D3BEC96}" type="datetimeFigureOut">
               <a:rPr lang="en-US" smtClean="0"/>
-              <a:t>3/25/23</a:t>
+              <a:t>3/25/2023</a:t>
             </a:fld>
             <a:endParaRPr lang="en-US"/>
           </a:p>
@@ -2696,7 +2696,7 @@
           <a:p>
             <a:fld id="{2EA82B81-3804-094E-8018-A8D80D3BEC96}" type="datetimeFigureOut">
               <a:rPr lang="en-US" smtClean="0"/>
-              <a:t>3/25/23</a:t>
+              <a:t>3/25/2023</a:t>
             </a:fld>
             <a:endParaRPr lang="en-US"/>
           </a:p>
@@ -2939,7 +2939,7 @@
           <a:p>
             <a:fld id="{2EA82B81-3804-094E-8018-A8D80D3BEC96}" type="datetimeFigureOut">
               <a:rPr lang="en-US" smtClean="0"/>
-              <a:t>3/25/23</a:t>
+              <a:t>3/25/2023</a:t>
             </a:fld>
             <a:endParaRPr lang="en-US"/>
           </a:p>
@@ -3400,7 +3400,7 @@
         </p:nvSpPr>
         <p:spPr>
           <a:xfrm>
-            <a:off x="1042567" y="2054254"/>
+            <a:off x="1042567" y="1080863"/>
             <a:ext cx="5472113" cy="400110"/>
           </a:xfrm>
           <a:prstGeom prst="rect">
@@ -3438,7 +3438,7 @@
         </p:nvSpPr>
         <p:spPr>
           <a:xfrm>
-            <a:off x="1042567" y="2485779"/>
+            <a:off x="1042567" y="1512388"/>
             <a:ext cx="5472113" cy="1754326"/>
           </a:xfrm>
           <a:prstGeom prst="rect">
@@ -3525,7 +3525,7 @@
         </p:nvSpPr>
         <p:spPr>
           <a:xfrm>
-            <a:off x="1042567" y="4278545"/>
+            <a:off x="1047487" y="3959128"/>
             <a:ext cx="5472113" cy="276999"/>
           </a:xfrm>
           <a:prstGeom prst="rect">
@@ -3583,6 +3583,44 @@
                 <a:latin typeface="Helvetica Light" panose="020B0403020202020204" pitchFamily="34" charset="0"/>
               </a:rPr>
               <a:t>FIAP  |  2023</a:t>
+            </a:r>
+          </a:p>
+        </p:txBody>
+      </p:sp>
+      <p:sp>
+        <p:nvSpPr>
+          <p:cNvPr id="10" name="TextBox 9">
+            <a:extLst>
+              <a:ext uri="{FF2B5EF4-FFF2-40B4-BE49-F238E27FC236}">
+                <a16:creationId xmlns:a16="http://schemas.microsoft.com/office/drawing/2014/main" id="{5839A4B9-F35C-4037-9473-4D20A06E0583}"/>
+              </a:ext>
+            </a:extLst>
+          </p:cNvPr>
+          <p:cNvSpPr txBox="1"/>
+          <p:nvPr/>
+        </p:nvSpPr>
+        <p:spPr>
+          <a:xfrm>
+            <a:off x="1047487" y="3298129"/>
+            <a:ext cx="5472113" cy="400110"/>
+          </a:xfrm>
+          <a:prstGeom prst="rect">
+            <a:avLst/>
+          </a:prstGeom>
+          <a:noFill/>
+        </p:spPr>
+        <p:txBody>
+          <a:bodyPr wrap="square" rtlCol="0">
+            <a:spAutoFit/>
+          </a:bodyPr>
+          <a:lstStyle/>
+          <a:p>
+            <a:pPr algn="ctr"/>
+            <a:r>
+              <a:rPr lang="en-US" sz="2000" dirty="0">
+                <a:latin typeface="Helvetica Light" panose="020B0403020202020204" pitchFamily="34" charset="0"/>
+              </a:rPr>
+              <a:t>DGGP CONSULTORIA</a:t>
             </a:r>
           </a:p>
         </p:txBody>
@@ -3775,6 +3813,44 @@
                 <a:latin typeface="Helvetica Light" panose="020B0403020202020204" pitchFamily="34" charset="0"/>
               </a:rPr>
               <a:t>FIAP  |  2023</a:t>
+            </a:r>
+          </a:p>
+        </p:txBody>
+      </p:sp>
+      <p:sp>
+        <p:nvSpPr>
+          <p:cNvPr id="6" name="TextBox 5">
+            <a:extLst>
+              <a:ext uri="{FF2B5EF4-FFF2-40B4-BE49-F238E27FC236}">
+                <a16:creationId xmlns:a16="http://schemas.microsoft.com/office/drawing/2014/main" id="{CE4ED147-B1BF-4F06-AC12-BA27DC65149B}"/>
+              </a:ext>
+            </a:extLst>
+          </p:cNvPr>
+          <p:cNvSpPr txBox="1"/>
+          <p:nvPr/>
+        </p:nvSpPr>
+        <p:spPr>
+          <a:xfrm>
+            <a:off x="306252" y="1916556"/>
+            <a:ext cx="5472113" cy="400110"/>
+          </a:xfrm>
+          <a:prstGeom prst="rect">
+            <a:avLst/>
+          </a:prstGeom>
+          <a:noFill/>
+        </p:spPr>
+        <p:txBody>
+          <a:bodyPr wrap="square" rtlCol="0">
+            <a:spAutoFit/>
+          </a:bodyPr>
+          <a:lstStyle/>
+          <a:p>
+            <a:pPr algn="ctr"/>
+            <a:r>
+              <a:rPr lang="en-US" sz="2000" dirty="0">
+                <a:latin typeface="Helvetica Light" panose="020B0403020202020204" pitchFamily="34" charset="0"/>
+              </a:rPr>
+              <a:t>DGGP CONSULTORIA</a:t>
             </a:r>
           </a:p>
         </p:txBody>
@@ -6796,7 +6872,7 @@
               <a:rPr lang="pt-BR" sz="1400" dirty="0">
                 <a:latin typeface="Helvetica Light" panose="020B0403020202020204" pitchFamily="34" charset="0"/>
               </a:rPr>
-              <a:t>Nota-se acima como estes grupos de empresas possuem valores diferentes em cada um dos critérios de estudo.</a:t>
+              <a:t>Nota-se acima como estes grupos de empresas possuem valores diferentes em vários dos critérios de estudo.</a:t>
             </a:r>
           </a:p>
           <a:p>
@@ -12791,13 +12867,13 @@
               <a:rPr lang="pt-BR" dirty="0">
                 <a:latin typeface="Helvetica Light" panose="020B0403020202020204" pitchFamily="34" charset="0"/>
               </a:rPr>
-              <a:t>Usamos uma técnica automatizada que segmenta atuais e futuros clientes e é composta de tecnologias de </a:t>
+              <a:t>Usamos uma técnica automatizada que segmenta atuais e futuros clientes e é composta por tecnologias de </a:t>
             </a:r>
             <a:r>
               <a:rPr lang="pt-BR" b="1" dirty="0">
                 <a:latin typeface="Helvetica" pitchFamily="2" charset="0"/>
               </a:rPr>
-              <a:t>inteligências artificial personalizadas</a:t>
+              <a:t>inteligência artificial personalizadas</a:t>
             </a:r>
             <a:r>
               <a:rPr lang="pt-BR" dirty="0">
@@ -13352,59 +13428,27 @@
               </a:rPr>
               <a:t>até</a:t>
             </a:r>
-            <a:endParaRPr lang="en-US" dirty="0">
+            <a:r>
+              <a:rPr lang="en-US" dirty="0">
+                <a:latin typeface="Helvetica Light" panose="020B0403020202020204" pitchFamily="34" charset="0"/>
+              </a:rPr>
+              <a:t> </a:t>
+            </a:r>
+            <a:r>
+              <a:rPr lang="en-US" b="1" dirty="0">
+                <a:latin typeface="Helvetica Light" panose="020B0403020202020204" pitchFamily="34" charset="0"/>
+              </a:rPr>
+              <a:t>94%</a:t>
+            </a:r>
+            <a:r>
+              <a:rPr lang="en-US" dirty="0">
+                <a:latin typeface="Helvetica Light" panose="020B0403020202020204" pitchFamily="34" charset="0"/>
+              </a:rPr>
+              <a:t>.</a:t>
+            </a:r>
+            <a:endParaRPr lang="en-US" b="1" dirty="0">
               <a:latin typeface="Helvetica Light" panose="020B0403020202020204" pitchFamily="34" charset="0"/>
             </a:endParaRPr>
-          </a:p>
-        </p:txBody>
-      </p:sp>
-      <p:sp>
-        <p:nvSpPr>
-          <p:cNvPr id="4" name="TextBox 3">
-            <a:extLst>
-              <a:ext uri="{FF2B5EF4-FFF2-40B4-BE49-F238E27FC236}">
-                <a16:creationId xmlns:a16="http://schemas.microsoft.com/office/drawing/2014/main" id="{BA19D031-B213-8940-BC66-E989959E5521}"/>
-              </a:ext>
-            </a:extLst>
-          </p:cNvPr>
-          <p:cNvSpPr txBox="1"/>
-          <p:nvPr/>
-        </p:nvSpPr>
-        <p:spPr>
-          <a:xfrm>
-            <a:off x="8730906" y="4102814"/>
-            <a:ext cx="4130241" cy="646331"/>
-          </a:xfrm>
-          <a:prstGeom prst="rect">
-            <a:avLst/>
-          </a:prstGeom>
-          <a:noFill/>
-        </p:spPr>
-        <p:txBody>
-          <a:bodyPr wrap="square" rtlCol="0">
-            <a:spAutoFit/>
-          </a:bodyPr>
-          <a:lstStyle/>
-          <a:p>
-            <a:r>
-              <a:rPr lang="en-US" sz="3600" b="1" dirty="0">
-                <a:latin typeface="Helvetica" pitchFamily="2" charset="0"/>
-              </a:rPr>
-              <a:t>94%</a:t>
-            </a:r>
-            <a:r>
-              <a:rPr lang="en-US" sz="1400" b="1" dirty="0">
-                <a:latin typeface="Helvetica" pitchFamily="2" charset="0"/>
-              </a:rPr>
-              <a:t>.</a:t>
-            </a:r>
-            <a:r>
-              <a:rPr lang="en-US" sz="3600" b="1" dirty="0">
-                <a:latin typeface="Helvetica" pitchFamily="2" charset="0"/>
-              </a:rPr>
-              <a:t> </a:t>
-            </a:r>
-            <a:endParaRPr lang="en-US" sz="3600" dirty="0"/>
           </a:p>
         </p:txBody>
       </p:sp>

--- a/apresentação/Pitch_Bootcamp.pptx
+++ b/apresentação/Pitch_Bootcamp.pptx
@@ -9283,7 +9283,7 @@
           <p:nvPr>
             <p:extLst>
               <p:ext uri="{D42A27DB-BD31-4B8C-83A1-F6EECF244321}">
-                <p14:modId xmlns:p14="http://schemas.microsoft.com/office/powerpoint/2010/main" val="1685386437"/>
+                <p14:modId xmlns:p14="http://schemas.microsoft.com/office/powerpoint/2010/main" val="1746946040"/>
               </p:ext>
             </p:extLst>
           </p:nvPr>
@@ -9960,13 +9960,13 @@
                     <a:p>
                       <a:pPr algn="ctr"/>
                       <a:r>
-                        <a:rPr lang="pt-BR" sz="1600">
+                        <a:rPr lang="pt-BR" sz="1600" dirty="0">
                           <a:solidFill>
                             <a:srgbClr val="60A699"/>
                           </a:solidFill>
                           <a:effectLst/>
                         </a:rPr>
-                        <a:t>0</a:t>
+                        <a:t>1</a:t>
                       </a:r>
                       <a:endParaRPr lang="en-GB" sz="1600" dirty="0">
                         <a:solidFill>
